--- a/CONTROL DE VERSIONES.pptx
+++ b/CONTROL DE VERSIONES.pptx
@@ -107,6 +107,11 @@
       </a:defRPr>
     </a:lvl9pPr>
   </p:defaultTextStyle>
+  <p:extLst>
+    <p:ext uri="{EFAFB233-063F-42B5-8137-9DF3F51BA10A}">
+      <p15:sldGuideLst xmlns:p15="http://schemas.microsoft.com/office/powerpoint/2012/main"/>
+    </p:ext>
+  </p:extLst>
 </p:presentation>
 </file>
 
@@ -832,7 +837,7 @@
           <a:p>
             <a:fld id="{599BDBF2-A5C0-4AAC-B2B5-A86836C5C104}" type="datetimeFigureOut">
               <a:rPr lang="es-MX" smtClean="0"/>
-              <a:t>20/05/2017</a:t>
+              <a:t>21/05/2017</a:t>
             </a:fld>
             <a:endParaRPr lang="es-MX"/>
           </a:p>
@@ -1083,7 +1088,7 @@
           <a:p>
             <a:fld id="{599BDBF2-A5C0-4AAC-B2B5-A86836C5C104}" type="datetimeFigureOut">
               <a:rPr lang="es-MX" smtClean="0"/>
-              <a:t>20/05/2017</a:t>
+              <a:t>21/05/2017</a:t>
             </a:fld>
             <a:endParaRPr lang="es-MX"/>
           </a:p>
@@ -1397,7 +1402,7 @@
           <a:p>
             <a:fld id="{599BDBF2-A5C0-4AAC-B2B5-A86836C5C104}" type="datetimeFigureOut">
               <a:rPr lang="es-MX" smtClean="0"/>
-              <a:t>20/05/2017</a:t>
+              <a:t>21/05/2017</a:t>
             </a:fld>
             <a:endParaRPr lang="es-MX"/>
           </a:p>
@@ -1738,7 +1743,7 @@
           <a:p>
             <a:fld id="{599BDBF2-A5C0-4AAC-B2B5-A86836C5C104}" type="datetimeFigureOut">
               <a:rPr lang="es-MX" smtClean="0"/>
-              <a:t>20/05/2017</a:t>
+              <a:t>21/05/2017</a:t>
             </a:fld>
             <a:endParaRPr lang="es-MX"/>
           </a:p>
@@ -2052,7 +2057,7 @@
           <a:p>
             <a:fld id="{599BDBF2-A5C0-4AAC-B2B5-A86836C5C104}" type="datetimeFigureOut">
               <a:rPr lang="es-MX" smtClean="0"/>
-              <a:t>20/05/2017</a:t>
+              <a:t>21/05/2017</a:t>
             </a:fld>
             <a:endParaRPr lang="es-MX"/>
           </a:p>
@@ -2445,7 +2450,7 @@
           <a:p>
             <a:fld id="{599BDBF2-A5C0-4AAC-B2B5-A86836C5C104}" type="datetimeFigureOut">
               <a:rPr lang="es-MX" smtClean="0"/>
-              <a:t>20/05/2017</a:t>
+              <a:t>21/05/2017</a:t>
             </a:fld>
             <a:endParaRPr lang="es-MX"/>
           </a:p>
@@ -2615,7 +2620,7 @@
           <a:p>
             <a:fld id="{599BDBF2-A5C0-4AAC-B2B5-A86836C5C104}" type="datetimeFigureOut">
               <a:rPr lang="es-MX" smtClean="0"/>
-              <a:t>20/05/2017</a:t>
+              <a:t>21/05/2017</a:t>
             </a:fld>
             <a:endParaRPr lang="es-MX"/>
           </a:p>
@@ -2795,7 +2800,7 @@
           <a:p>
             <a:fld id="{599BDBF2-A5C0-4AAC-B2B5-A86836C5C104}" type="datetimeFigureOut">
               <a:rPr lang="es-MX" smtClean="0"/>
-              <a:t>20/05/2017</a:t>
+              <a:t>21/05/2017</a:t>
             </a:fld>
             <a:endParaRPr lang="es-MX"/>
           </a:p>
@@ -2971,7 +2976,7 @@
           <a:p>
             <a:fld id="{599BDBF2-A5C0-4AAC-B2B5-A86836C5C104}" type="datetimeFigureOut">
               <a:rPr lang="es-MX" smtClean="0"/>
-              <a:t>20/05/2017</a:t>
+              <a:t>21/05/2017</a:t>
             </a:fld>
             <a:endParaRPr lang="es-MX"/>
           </a:p>
@@ -3218,7 +3223,7 @@
           <a:p>
             <a:fld id="{599BDBF2-A5C0-4AAC-B2B5-A86836C5C104}" type="datetimeFigureOut">
               <a:rPr lang="es-MX" smtClean="0"/>
-              <a:t>20/05/2017</a:t>
+              <a:t>21/05/2017</a:t>
             </a:fld>
             <a:endParaRPr lang="es-MX"/>
           </a:p>
@@ -3450,7 +3455,7 @@
           <a:p>
             <a:fld id="{599BDBF2-A5C0-4AAC-B2B5-A86836C5C104}" type="datetimeFigureOut">
               <a:rPr lang="es-MX" smtClean="0"/>
-              <a:t>20/05/2017</a:t>
+              <a:t>21/05/2017</a:t>
             </a:fld>
             <a:endParaRPr lang="es-MX"/>
           </a:p>
@@ -3824,7 +3829,7 @@
           <a:p>
             <a:fld id="{599BDBF2-A5C0-4AAC-B2B5-A86836C5C104}" type="datetimeFigureOut">
               <a:rPr lang="es-MX" smtClean="0"/>
-              <a:t>20/05/2017</a:t>
+              <a:t>21/05/2017</a:t>
             </a:fld>
             <a:endParaRPr lang="es-MX"/>
           </a:p>
@@ -3947,7 +3952,7 @@
           <a:p>
             <a:fld id="{599BDBF2-A5C0-4AAC-B2B5-A86836C5C104}" type="datetimeFigureOut">
               <a:rPr lang="es-MX" smtClean="0"/>
-              <a:t>20/05/2017</a:t>
+              <a:t>21/05/2017</a:t>
             </a:fld>
             <a:endParaRPr lang="es-MX"/>
           </a:p>
@@ -4042,7 +4047,7 @@
           <a:p>
             <a:fld id="{599BDBF2-A5C0-4AAC-B2B5-A86836C5C104}" type="datetimeFigureOut">
               <a:rPr lang="es-MX" smtClean="0"/>
-              <a:t>20/05/2017</a:t>
+              <a:t>21/05/2017</a:t>
             </a:fld>
             <a:endParaRPr lang="es-MX"/>
           </a:p>
@@ -4297,7 +4302,7 @@
           <a:p>
             <a:fld id="{599BDBF2-A5C0-4AAC-B2B5-A86836C5C104}" type="datetimeFigureOut">
               <a:rPr lang="es-MX" smtClean="0"/>
-              <a:t>20/05/2017</a:t>
+              <a:t>21/05/2017</a:t>
             </a:fld>
             <a:endParaRPr lang="es-MX"/>
           </a:p>
@@ -4560,7 +4565,7 @@
           <a:p>
             <a:fld id="{599BDBF2-A5C0-4AAC-B2B5-A86836C5C104}" type="datetimeFigureOut">
               <a:rPr lang="es-MX" smtClean="0"/>
-              <a:t>20/05/2017</a:t>
+              <a:t>21/05/2017</a:t>
             </a:fld>
             <a:endParaRPr lang="es-MX"/>
           </a:p>
@@ -5303,7 +5308,7 @@
           <a:p>
             <a:fld id="{599BDBF2-A5C0-4AAC-B2B5-A86836C5C104}" type="datetimeFigureOut">
               <a:rPr lang="es-MX" smtClean="0"/>
-              <a:t>20/05/2017</a:t>
+              <a:t>21/05/2017</a:t>
             </a:fld>
             <a:endParaRPr lang="es-MX"/>
           </a:p>
@@ -5942,19 +5947,8 @@
                 <a:latin typeface="Calibri" panose="020F0502020204030204" pitchFamily="34" charset="0"/>
                 <a:cs typeface="Calibri" panose="020F0502020204030204" pitchFamily="34" charset="0"/>
               </a:rPr>
-              <a:t>Una </a:t>
-            </a:r>
-            <a:r>
-              <a:rPr lang="es-MX" sz="2000" dirty="0">
-                <a:latin typeface="Calibri" panose="020F0502020204030204" pitchFamily="34" charset="0"/>
-                <a:cs typeface="Calibri" panose="020F0502020204030204" pitchFamily="34" charset="0"/>
-              </a:rPr>
-              <a:t>versión, revisión o edición de un producto, es el estado en el que se encuentra el mismo en un momento dado de su desarrollo o modificación.</a:t>
-            </a:r>
-            <a:endParaRPr lang="es-MX" sz="2000" dirty="0">
-              <a:latin typeface="Calibri" panose="020F0502020204030204" pitchFamily="34" charset="0"/>
-              <a:cs typeface="Calibri" panose="020F0502020204030204" pitchFamily="34" charset="0"/>
-            </a:endParaRPr>
+              <a:t>Una versión, revisión o edición de un producto, es el estado en el que se encuentra el mismo en un momento dado de su desarrollo o modificación.</a:t>
+            </a:r>
           </a:p>
         </p:txBody>
       </p:sp>
@@ -6272,10 +6266,6 @@
               </a:rPr>
               <a:t> Server.</a:t>
             </a:r>
-            <a:endParaRPr lang="es-MX" dirty="0">
-              <a:latin typeface="Calibri" panose="020F0502020204030204" pitchFamily="34" charset="0"/>
-              <a:cs typeface="Calibri" panose="020F0502020204030204" pitchFamily="34" charset="0"/>
-            </a:endParaRPr>
           </a:p>
         </p:txBody>
       </p:sp>
@@ -6321,10 +6311,20 @@
         </p:nvSpPr>
         <p:spPr/>
         <p:txBody>
-          <a:bodyPr/>
-          <a:lstStyle/>
-          <a:p>
-            <a:endParaRPr lang="es-MX"/>
+          <a:bodyPr>
+            <a:normAutofit fontScale="90000"/>
+          </a:bodyPr>
+          <a:lstStyle/>
+          <a:p>
+            <a:pPr algn="ctr"/>
+            <a:r>
+              <a:rPr lang="es-MX" dirty="0"/>
+              <a:t>Sistemas de control de versiones distribuidos</a:t>
+            </a:r>
+            <a:br>
+              <a:rPr lang="es-MX" dirty="0"/>
+            </a:br>
+            <a:endParaRPr lang="es-MX" dirty="0"/>
           </a:p>
         </p:txBody>
       </p:sp>
@@ -6340,10 +6340,184 @@
         </p:nvSpPr>
         <p:spPr/>
         <p:txBody>
-          <a:bodyPr/>
-          <a:lstStyle/>
-          <a:p>
-            <a:endParaRPr lang="es-MX"/>
+          <a:bodyPr>
+            <a:normAutofit/>
+          </a:bodyPr>
+          <a:lstStyle/>
+          <a:p>
+            <a:pPr algn="just"/>
+            <a:r>
+              <a:rPr lang="es-MX" sz="2000" dirty="0">
+                <a:latin typeface="Calibri" panose="020F0502020204030204" pitchFamily="34" charset="0"/>
+                <a:cs typeface="Calibri" panose="020F0502020204030204" pitchFamily="34" charset="0"/>
+              </a:rPr>
+              <a:t>Es aquí donde entran los sistemas de control de versiones distribuidos (</a:t>
+            </a:r>
+            <a:r>
+              <a:rPr lang="es-MX" sz="2000" dirty="0" err="1">
+                <a:latin typeface="Calibri" panose="020F0502020204030204" pitchFamily="34" charset="0"/>
+                <a:cs typeface="Calibri" panose="020F0502020204030204" pitchFamily="34" charset="0"/>
+              </a:rPr>
+              <a:t>Distributed</a:t>
+            </a:r>
+            <a:r>
+              <a:rPr lang="es-MX" sz="2000" dirty="0">
+                <a:latin typeface="Calibri" panose="020F0502020204030204" pitchFamily="34" charset="0"/>
+                <a:cs typeface="Calibri" panose="020F0502020204030204" pitchFamily="34" charset="0"/>
+              </a:rPr>
+              <a:t> </a:t>
+            </a:r>
+            <a:r>
+              <a:rPr lang="es-MX" sz="2000" dirty="0" err="1">
+                <a:latin typeface="Calibri" panose="020F0502020204030204" pitchFamily="34" charset="0"/>
+                <a:cs typeface="Calibri" panose="020F0502020204030204" pitchFamily="34" charset="0"/>
+              </a:rPr>
+              <a:t>Version</a:t>
+            </a:r>
+            <a:r>
+              <a:rPr lang="es-MX" sz="2000" dirty="0">
+                <a:latin typeface="Calibri" panose="020F0502020204030204" pitchFamily="34" charset="0"/>
+                <a:cs typeface="Calibri" panose="020F0502020204030204" pitchFamily="34" charset="0"/>
+              </a:rPr>
+              <a:t> Control </a:t>
+            </a:r>
+            <a:r>
+              <a:rPr lang="es-MX" sz="2000" dirty="0" err="1">
+                <a:latin typeface="Calibri" panose="020F0502020204030204" pitchFamily="34" charset="0"/>
+                <a:cs typeface="Calibri" panose="020F0502020204030204" pitchFamily="34" charset="0"/>
+              </a:rPr>
+              <a:t>Systems</a:t>
+            </a:r>
+            <a:r>
+              <a:rPr lang="es-MX" sz="2000" dirty="0">
+                <a:latin typeface="Calibri" panose="020F0502020204030204" pitchFamily="34" charset="0"/>
+                <a:cs typeface="Calibri" panose="020F0502020204030204" pitchFamily="34" charset="0"/>
+              </a:rPr>
+              <a:t> o </a:t>
+            </a:r>
+            <a:r>
+              <a:rPr lang="es-MX" sz="2000" dirty="0" err="1">
+                <a:latin typeface="Calibri" panose="020F0502020204030204" pitchFamily="34" charset="0"/>
+                <a:cs typeface="Calibri" panose="020F0502020204030204" pitchFamily="34" charset="0"/>
+              </a:rPr>
+              <a:t>DVCSs</a:t>
+            </a:r>
+            <a:r>
+              <a:rPr lang="es-MX" sz="2000" dirty="0">
+                <a:latin typeface="Calibri" panose="020F0502020204030204" pitchFamily="34" charset="0"/>
+                <a:cs typeface="Calibri" panose="020F0502020204030204" pitchFamily="34" charset="0"/>
+              </a:rPr>
+              <a:t> </a:t>
+            </a:r>
+            <a:r>
+              <a:rPr lang="es-MX" sz="2000" dirty="0" smtClean="0">
+                <a:latin typeface="Calibri" panose="020F0502020204030204" pitchFamily="34" charset="0"/>
+                <a:cs typeface="Calibri" panose="020F0502020204030204" pitchFamily="34" charset="0"/>
+              </a:rPr>
+              <a:t>en </a:t>
+            </a:r>
+            <a:r>
+              <a:rPr lang="es-MX" sz="2000" dirty="0">
+                <a:latin typeface="Calibri" panose="020F0502020204030204" pitchFamily="34" charset="0"/>
+                <a:cs typeface="Calibri" panose="020F0502020204030204" pitchFamily="34" charset="0"/>
+              </a:rPr>
+              <a:t>inglés). </a:t>
+            </a:r>
+            <a:r>
+              <a:rPr lang="es-MX" sz="2000" dirty="0">
+                <a:latin typeface="Calibri" panose="020F0502020204030204" pitchFamily="34" charset="0"/>
+                <a:cs typeface="Calibri" panose="020F0502020204030204" pitchFamily="34" charset="0"/>
+              </a:rPr>
+              <a:t>En un DVCS (como </a:t>
+            </a:r>
+            <a:r>
+              <a:rPr lang="es-MX" sz="2000" dirty="0" err="1">
+                <a:latin typeface="Calibri" panose="020F0502020204030204" pitchFamily="34" charset="0"/>
+                <a:cs typeface="Calibri" panose="020F0502020204030204" pitchFamily="34" charset="0"/>
+              </a:rPr>
+              <a:t>Git</a:t>
+            </a:r>
+            <a:r>
+              <a:rPr lang="es-MX" sz="2000" dirty="0">
+                <a:latin typeface="Calibri" panose="020F0502020204030204" pitchFamily="34" charset="0"/>
+                <a:cs typeface="Calibri" panose="020F0502020204030204" pitchFamily="34" charset="0"/>
+              </a:rPr>
+              <a:t>, Mercurial, </a:t>
+            </a:r>
+            <a:r>
+              <a:rPr lang="es-MX" sz="2000" dirty="0" err="1">
+                <a:latin typeface="Calibri" panose="020F0502020204030204" pitchFamily="34" charset="0"/>
+                <a:cs typeface="Calibri" panose="020F0502020204030204" pitchFamily="34" charset="0"/>
+              </a:rPr>
+              <a:t>Bazaar</a:t>
+            </a:r>
+            <a:r>
+              <a:rPr lang="es-MX" sz="2000" dirty="0">
+                <a:latin typeface="Calibri" panose="020F0502020204030204" pitchFamily="34" charset="0"/>
+                <a:cs typeface="Calibri" panose="020F0502020204030204" pitchFamily="34" charset="0"/>
+              </a:rPr>
+              <a:t> o </a:t>
+            </a:r>
+            <a:r>
+              <a:rPr lang="es-MX" sz="2000" dirty="0" err="1">
+                <a:latin typeface="Calibri" panose="020F0502020204030204" pitchFamily="34" charset="0"/>
+                <a:cs typeface="Calibri" panose="020F0502020204030204" pitchFamily="34" charset="0"/>
+              </a:rPr>
+              <a:t>Darcs</a:t>
+            </a:r>
+            <a:r>
+              <a:rPr lang="es-MX" sz="2000" dirty="0">
+                <a:latin typeface="Calibri" panose="020F0502020204030204" pitchFamily="34" charset="0"/>
+                <a:cs typeface="Calibri" panose="020F0502020204030204" pitchFamily="34" charset="0"/>
+              </a:rPr>
+              <a:t>), los clientes no sólo descargan la última instantánea de </a:t>
+            </a:r>
+            <a:r>
+              <a:rPr lang="es-MX" sz="2000" dirty="0" smtClean="0">
+                <a:latin typeface="Calibri" panose="020F0502020204030204" pitchFamily="34" charset="0"/>
+                <a:cs typeface="Calibri" panose="020F0502020204030204" pitchFamily="34" charset="0"/>
+              </a:rPr>
+              <a:t>los </a:t>
+            </a:r>
+            <a:r>
+              <a:rPr lang="es-MX" sz="2000" dirty="0">
+                <a:latin typeface="Calibri" panose="020F0502020204030204" pitchFamily="34" charset="0"/>
+                <a:cs typeface="Calibri" panose="020F0502020204030204" pitchFamily="34" charset="0"/>
+              </a:rPr>
+              <a:t>archivos: replican completamente el repositorio. Así, si un servidor muere, y estos sistemas estaban colaborando a </a:t>
+            </a:r>
+            <a:r>
+              <a:rPr lang="es-MX" sz="2000" dirty="0" smtClean="0">
+                <a:latin typeface="Calibri" panose="020F0502020204030204" pitchFamily="34" charset="0"/>
+                <a:cs typeface="Calibri" panose="020F0502020204030204" pitchFamily="34" charset="0"/>
+              </a:rPr>
+              <a:t>través </a:t>
+            </a:r>
+            <a:r>
+              <a:rPr lang="es-MX" sz="2000" dirty="0">
+                <a:latin typeface="Calibri" panose="020F0502020204030204" pitchFamily="34" charset="0"/>
+                <a:cs typeface="Calibri" panose="020F0502020204030204" pitchFamily="34" charset="0"/>
+              </a:rPr>
+              <a:t>de él, cualquiera de los repositorios de los clientes puede copiarse en el servidor para restaurarlo. Cada vez </a:t>
+            </a:r>
+            <a:r>
+              <a:rPr lang="es-MX" sz="2000" dirty="0" smtClean="0">
+                <a:latin typeface="Calibri" panose="020F0502020204030204" pitchFamily="34" charset="0"/>
+                <a:cs typeface="Calibri" panose="020F0502020204030204" pitchFamily="34" charset="0"/>
+              </a:rPr>
+              <a:t>que </a:t>
+            </a:r>
+            <a:r>
+              <a:rPr lang="es-MX" sz="2000" dirty="0">
+                <a:latin typeface="Calibri" panose="020F0502020204030204" pitchFamily="34" charset="0"/>
+                <a:cs typeface="Calibri" panose="020F0502020204030204" pitchFamily="34" charset="0"/>
+              </a:rPr>
+              <a:t>se descarga una instantánea, en realidad se hace una copia de seguridad completa de todos los datos</a:t>
+            </a:r>
+            <a:endParaRPr lang="es-MX" sz="2000" dirty="0">
+              <a:latin typeface="Calibri" panose="020F0502020204030204" pitchFamily="34" charset="0"/>
+              <a:cs typeface="Calibri" panose="020F0502020204030204" pitchFamily="34" charset="0"/>
+            </a:endParaRPr>
           </a:p>
         </p:txBody>
       </p:sp>
